--- a/output/presentation.pptx
+++ b/output/presentation.pptx
@@ -14,8 +14,6 @@
     <p:sldId id="262" r:id="rId13"/>
     <p:sldId id="263" r:id="rId14"/>
     <p:sldId id="264" r:id="rId15"/>
-    <p:sldId id="265" r:id="rId16"/>
-    <p:sldId id="266" r:id="rId17"/>
   </p:sldIdLst>
   <p:sldSz cx="9144000" cy="6858000" type="screen4x3"/>
   <p:notesSz cx="6858000" cy="9144000"/>
@@ -570,7 +568,7 @@
               <c:strCache>
                 <c:ptCount val="1"/>
                 <c:pt idx="0">
-                  <c:v>Q1</c:v>
+                  <c:v>Samsung</c:v>
                 </c:pt>
               </c:strCache>
             </c:strRef>
@@ -597,18 +595,21 @@
           </c:cat>
           <c:val>
             <c:numRef>
-              <c:f>Sheet1!$B$2:$B$4</c:f>
+              <c:f>Sheet1!$B$2:$B$5</c:f>
               <c:numCache>
                 <c:formatCode>General</c:formatCode>
-                <c:ptCount val="3"/>
+                <c:ptCount val="4"/>
                 <c:pt idx="0">
-                  <c:v>19.2</c:v>
+                  <c:v>100.0</c:v>
                 </c:pt>
                 <c:pt idx="1">
-                  <c:v>21.4</c:v>
+                  <c:v>120.0</c:v>
                 </c:pt>
                 <c:pt idx="2">
-                  <c:v>16.7</c:v>
+                  <c:v>110.0</c:v>
+                </c:pt>
+                <c:pt idx="3">
+                  <c:v>130.0</c:v>
                 </c:pt>
               </c:numCache>
             </c:numRef>
@@ -623,7 +624,7 @@
               <c:strCache>
                 <c:ptCount val="1"/>
                 <c:pt idx="0">
-                  <c:v>Q2</c:v>
+                  <c:v>Nokia</c:v>
                 </c:pt>
               </c:strCache>
             </c:strRef>
@@ -650,18 +651,21 @@
           </c:cat>
           <c:val>
             <c:numRef>
-              <c:f>Sheet1!$C$2:$C$4</c:f>
+              <c:f>Sheet1!$C$2:$C$5</c:f>
               <c:numCache>
                 <c:formatCode>General</c:formatCode>
-                <c:ptCount val="3"/>
+                <c:ptCount val="4"/>
                 <c:pt idx="0">
-                  <c:v>22.3</c:v>
+                  <c:v>80.0</c:v>
                 </c:pt>
                 <c:pt idx="1">
-                  <c:v>28.6</c:v>
+                  <c:v>90.0</c:v>
                 </c:pt>
                 <c:pt idx="2">
-                  <c:v>15.2</c:v>
+                  <c:v>100.0</c:v>
+                </c:pt>
+                <c:pt idx="3">
+                  <c:v>110.0</c:v>
                 </c:pt>
               </c:numCache>
             </c:numRef>
@@ -676,7 +680,7 @@
               <c:strCache>
                 <c:ptCount val="1"/>
                 <c:pt idx="0">
-                  <c:v>Q3</c:v>
+                  <c:v>LG</c:v>
                 </c:pt>
               </c:strCache>
             </c:strRef>
@@ -703,18 +707,21 @@
           </c:cat>
           <c:val>
             <c:numRef>
-              <c:f>Sheet1!$D$2:$D$4</c:f>
+              <c:f>Sheet1!$D$2:$D$5</c:f>
               <c:numCache>
                 <c:formatCode>General</c:formatCode>
-                <c:ptCount val="3"/>
+                <c:ptCount val="4"/>
                 <c:pt idx="0">
-                  <c:v>20.4</c:v>
+                  <c:v>70.0</c:v>
                 </c:pt>
                 <c:pt idx="1">
-                  <c:v>26.3</c:v>
+                  <c:v>80.0</c:v>
                 </c:pt>
                 <c:pt idx="2">
-                  <c:v>14.2</c:v>
+                  <c:v>90.0</c:v>
+                </c:pt>
+                <c:pt idx="3">
+                  <c:v>100.0</c:v>
                 </c:pt>
               </c:numCache>
             </c:numRef>
@@ -3949,217 +3956,6 @@
 </p:sld>
 </file>
 
-<file path=ppt/slides/slide10.xml><?xml version="1.0" encoding="utf-8"?>
-<p:sld xmlns:a="http://schemas.openxmlformats.org/drawingml/2006/main" xmlns:p="http://schemas.openxmlformats.org/presentationml/2006/main" xmlns:r="http://schemas.openxmlformats.org/officeDocument/2006/relationships">
-  <p:cSld>
-    <p:spTree>
-      <p:nvGrpSpPr>
-        <p:cNvPr id="1" name=""/>
-        <p:cNvGrpSpPr/>
-        <p:nvPr/>
-      </p:nvGrpSpPr>
-      <p:grpSpPr/>
-      <p:sp>
-        <p:nvSpPr>
-          <p:cNvPr id="2" name="Title 1"/>
-          <p:cNvSpPr>
-            <a:spLocks noGrp="1"/>
-          </p:cNvSpPr>
-          <p:nvPr>
-            <p:ph type="title"/>
-          </p:nvPr>
-        </p:nvSpPr>
-        <p:spPr/>
-        <p:txBody>
-          <a:bodyPr/>
-          <a:lstStyle/>
-          <a:p>
-            <a:pPr>
-              <a:defRPr sz="2400" b="1"/>
-            </a:pPr>
-            <a:r>
-              <a:t>Bombay Stock Exchange</a:t>
-            </a:r>
-          </a:p>
-        </p:txBody>
-      </p:sp>
-      <p:sp>
-        <p:nvSpPr>
-          <p:cNvPr id="3" name="TextBox 2"/>
-          <p:cNvSpPr txBox="1"/>
-          <p:nvPr/>
-        </p:nvSpPr>
-        <p:spPr>
-          <a:xfrm>
-            <a:off x="457200" y="1828800"/>
-            <a:ext cx="3657600" cy="4114800"/>
-          </a:xfrm>
-          <a:prstGeom prst="rect">
-            <a:avLst/>
-          </a:prstGeom>
-          <a:noFill/>
-        </p:spPr>
-        <p:txBody>
-          <a:bodyPr wrap="square">
-            <a:spAutoFit/>
-          </a:bodyPr>
-          <a:lstStyle/>
-          <a:p>
-            <a:pPr>
-              <a:spcAft>
-                <a:spcPts val="1000"/>
-              </a:spcAft>
-              <a:defRPr sz="1400"/>
-            </a:pPr>
-            <a:r>
-              <a:t>The Bombay Stock Exchange (BSE) is the oldest stock exchange in Asia, established in 1875. It is located in Mumbai, India, and is one of the two main stock exchanges in the country, the other being the National Stock Exchange of India (NSE).</a:t>
-            </a:r>
-          </a:p>
-          <a:p>
-            <a:pPr>
-              <a:spcAft>
-                <a:spcPts val="1000"/>
-              </a:spcAft>
-              <a:defRPr sz="1400"/>
-            </a:pPr>
-            <a:r>
-              <a:t>The BSE is the world's 10th largest stock exchange by market capitalization and has a market capitalization of over $2 trillion. It has a significant impact on the Indian economy and is considered a key indicator of the country's economic health.</a:t>
-            </a:r>
-          </a:p>
-        </p:txBody>
-      </p:sp>
-      <p:pic>
-        <p:nvPicPr>
-          <p:cNvPr id="4" name="Picture 3" descr="bse.jpeg"/>
-          <p:cNvPicPr>
-            <a:picLocks noChangeAspect="1"/>
-          </p:cNvPicPr>
-          <p:nvPr/>
-        </p:nvPicPr>
-        <p:blipFill>
-          <a:blip r:embed="rId2"/>
-          <a:stretch>
-            <a:fillRect/>
-          </a:stretch>
-        </p:blipFill>
-        <p:spPr>
-          <a:xfrm>
-            <a:off x="4572000" y="1828800"/>
-            <a:ext cx="3657600" cy="4114800"/>
-          </a:xfrm>
-          <a:prstGeom prst="rect">
-            <a:avLst/>
-          </a:prstGeom>
-        </p:spPr>
-      </p:pic>
-    </p:spTree>
-  </p:cSld>
-  <p:clrMapOvr>
-    <a:masterClrMapping/>
-  </p:clrMapOvr>
-</p:sld>
-</file>
-
-<file path=ppt/slides/slide11.xml><?xml version="1.0" encoding="utf-8"?>
-<p:sld xmlns:a="http://schemas.openxmlformats.org/drawingml/2006/main" xmlns:p="http://schemas.openxmlformats.org/presentationml/2006/main" xmlns:r="http://schemas.openxmlformats.org/officeDocument/2006/relationships">
-  <p:cSld>
-    <p:spTree>
-      <p:nvGrpSpPr>
-        <p:cNvPr id="1" name=""/>
-        <p:cNvGrpSpPr/>
-        <p:nvPr/>
-      </p:nvGrpSpPr>
-      <p:grpSpPr/>
-      <p:sp>
-        <p:nvSpPr>
-          <p:cNvPr id="2" name="Title 1"/>
-          <p:cNvSpPr>
-            <a:spLocks noGrp="1"/>
-          </p:cNvSpPr>
-          <p:nvPr>
-            <p:ph type="title"/>
-          </p:nvPr>
-        </p:nvSpPr>
-        <p:spPr/>
-        <p:txBody>
-          <a:bodyPr/>
-          <a:lstStyle/>
-          <a:p>
-            <a:pPr>
-              <a:defRPr sz="2400" b="1"/>
-            </a:pPr>
-            <a:r>
-              <a:t>Bombay Stock Exchange</a:t>
-            </a:r>
-          </a:p>
-        </p:txBody>
-      </p:sp>
-      <p:sp>
-        <p:nvSpPr>
-          <p:cNvPr id="3" name="TextBox 2"/>
-          <p:cNvSpPr txBox="1"/>
-          <p:nvPr/>
-        </p:nvSpPr>
-        <p:spPr>
-          <a:xfrm>
-            <a:off x="457200" y="1828800"/>
-            <a:ext cx="3657600" cy="4114800"/>
-          </a:xfrm>
-          <a:prstGeom prst="rect">
-            <a:avLst/>
-          </a:prstGeom>
-          <a:noFill/>
-        </p:spPr>
-        <p:txBody>
-          <a:bodyPr wrap="square">
-            <a:spAutoFit/>
-          </a:bodyPr>
-          <a:lstStyle/>
-          <a:p>
-            <a:pPr>
-              <a:spcAft>
-                <a:spcPts val="1000"/>
-              </a:spcAft>
-              <a:defRPr sz="1400"/>
-            </a:pPr>
-            <a:r>
-              <a:t>The Bombay Stock Exchange (BSE) is the oldest stock exchange in Asia, established in 1875. It is located in Mumbai, India, and is one of the two main stock exchanges in the country, the other being the National Stock Exchange of India (NSE). The BSE is the world's 10th largest stock exchange by market capitalization as of 2020. It has a market capitalization of over $2 trillion and lists over 5,000 companies.</a:t>
-            </a:r>
-          </a:p>
-        </p:txBody>
-      </p:sp>
-      <p:pic>
-        <p:nvPicPr>
-          <p:cNvPr id="4" name="Picture 3" descr="bse.jpeg"/>
-          <p:cNvPicPr>
-            <a:picLocks noChangeAspect="1"/>
-          </p:cNvPicPr>
-          <p:nvPr/>
-        </p:nvPicPr>
-        <p:blipFill>
-          <a:blip r:embed="rId2"/>
-          <a:stretch>
-            <a:fillRect/>
-          </a:stretch>
-        </p:blipFill>
-        <p:spPr>
-          <a:xfrm>
-            <a:off x="4572000" y="1828800"/>
-            <a:ext cx="3657600" cy="4114800"/>
-          </a:xfrm>
-          <a:prstGeom prst="rect">
-            <a:avLst/>
-          </a:prstGeom>
-        </p:spPr>
-      </p:pic>
-    </p:spTree>
-  </p:cSld>
-  <p:clrMapOvr>
-    <a:masterClrMapping/>
-  </p:clrMapOvr>
-</p:sld>
-</file>
-
 <file path=ppt/slides/slide2.xml><?xml version="1.0" encoding="utf-8"?>
 <p:sld xmlns:a="http://schemas.openxmlformats.org/drawingml/2006/main" xmlns:p="http://schemas.openxmlformats.org/presentationml/2006/main" xmlns:r="http://schemas.openxmlformats.org/officeDocument/2006/relationships">
   <p:cSld>
@@ -4668,7 +4464,7 @@
               <a:defRPr sz="2400" b="1"/>
             </a:pPr>
             <a:r>
-              <a:t>Bar Chart Slide</a:t>
+              <a:t>Q1-Q4 Sales Comparison of Samsung, Nokia, and LG</a:t>
             </a:r>
           </a:p>
         </p:txBody>

--- a/output/presentation.pptx
+++ b/output/presentation.pptx
@@ -7,15 +7,14 @@
   <p:sldIdLst>
     <p:sldId id="256" r:id="rId7"/>
     <p:sldId id="257" r:id="rId8"/>
+    <p:sldId id="263" r:id="rId14"/>
     <p:sldId id="258" r:id="rId9"/>
     <p:sldId id="259" r:id="rId10"/>
     <p:sldId id="260" r:id="rId11"/>
     <p:sldId id="261" r:id="rId12"/>
     <p:sldId id="262" r:id="rId13"/>
-    <p:sldId id="263" r:id="rId14"/>
-    <p:sldId id="264" r:id="rId15"/>
   </p:sldIdLst>
-  <p:sldSz cx="9144000" cy="6858000" type="screen4x3"/>
+  <p:sldSz cx="12188952" cy="6858000" type="screen4x3"/>
   <p:notesSz cx="6858000" cy="9144000"/>
   <p:defaultTextStyle>
     <a:defPPr>
@@ -121,199 +120,6 @@
   <c:chart>
     <c:autoTitleDeleted val="0"/>
     <c:plotArea>
-      <c:barChart>
-        <c:barDir val="bar"/>
-        <c:grouping val="clustered"/>
-        <c:ser>
-          <c:idx val="0"/>
-          <c:order val="0"/>
-          <c:tx>
-            <c:strRef>
-              <c:f>Sheet1!$B$1</c:f>
-              <c:strCache>
-                <c:ptCount val="1"/>
-                <c:pt idx="0">
-                  <c:v>Product Sales</c:v>
-                </c:pt>
-              </c:strCache>
-            </c:strRef>
-          </c:tx>
-          <c:cat>
-            <c:strRef>
-              <c:f>Sheet1!$A$2:$A$5</c:f>
-              <c:strCache>
-                <c:ptCount val="4"/>
-                <c:pt idx="0">
-                  <c:v>A</c:v>
-                </c:pt>
-                <c:pt idx="1">
-                  <c:v>B</c:v>
-                </c:pt>
-                <c:pt idx="2">
-                  <c:v>C</c:v>
-                </c:pt>
-                <c:pt idx="3">
-                  <c:v>D</c:v>
-                </c:pt>
-              </c:strCache>
-            </c:strRef>
-          </c:cat>
-          <c:val>
-            <c:numRef>
-              <c:f>Sheet1!$B$2:$B$5</c:f>
-              <c:numCache>
-                <c:formatCode>General</c:formatCode>
-                <c:ptCount val="4"/>
-                <c:pt idx="0">
-                  <c:v>200.0</c:v>
-                </c:pt>
-                <c:pt idx="1">
-                  <c:v>400.0</c:v>
-                </c:pt>
-                <c:pt idx="2">
-                  <c:v>600.0</c:v>
-                </c:pt>
-                <c:pt idx="3">
-                  <c:v>800.0</c:v>
-                </c:pt>
-              </c:numCache>
-            </c:numRef>
-          </c:val>
-        </c:ser>
-        <c:axId val="-2068027336"/>
-        <c:axId val="-2113994440"/>
-      </c:barChart>
-      <c:catAx>
-        <c:axId val="-2068027336"/>
-        <c:scaling>
-          <c:orientation val="minMax"/>
-        </c:scaling>
-        <c:delete val="0"/>
-        <c:axPos val="l"/>
-        <c:majorTickMark val="out"/>
-        <c:minorTickMark val="none"/>
-        <c:tickLblPos val="nextTo"/>
-        <c:crossAx val="-2113994440"/>
-        <c:crosses val="autoZero"/>
-        <c:auto val="1"/>
-        <c:lblAlgn val="ctr"/>
-        <c:lblOffset val="100"/>
-        <c:noMultiLvlLbl val="0"/>
-      </c:catAx>
-      <c:valAx>
-        <c:axId val="-2113994440"/>
-        <c:scaling/>
-        <c:delete val="0"/>
-        <c:axPos val="b"/>
-        <c:majorGridlines/>
-        <c:majorTickMark val="out"/>
-        <c:minorTickMark val="none"/>
-        <c:tickLblPos val="nextTo"/>
-        <c:crossAx val="-2068027336"/>
-        <c:crosses val="autoZero"/>
-      </c:valAx>
-    </c:plotArea>
-    <c:dispBlanksAs val="gap"/>
-  </c:chart>
-  <c:txPr>
-    <a:bodyPr/>
-    <a:lstStyle/>
-    <a:p>
-      <a:pPr>
-        <a:defRPr sz="1800"/>
-      </a:pPr>
-      <a:endParaRPr lang="en-US"/>
-    </a:p>
-  </c:txPr>
-  <c:externalData r:id="rId1">
-    <c:autoUpdate val="0"/>
-  </c:externalData>
-</c:chartSpace>
-</file>
-
-<file path=ppt/charts/chart2.xml><?xml version="1.0" encoding="utf-8"?>
-<c:chartSpace xmlns:c="http://schemas.openxmlformats.org/drawingml/2006/chart" xmlns:a="http://schemas.openxmlformats.org/drawingml/2006/main" xmlns:r="http://schemas.openxmlformats.org/officeDocument/2006/relationships">
-  <c:chart>
-    <c:autoTitleDeleted val="0"/>
-    <c:plotArea>
-      <c:pieChart>
-        <c:varyColors val="1"/>
-        <c:ser>
-          <c:idx val="0"/>
-          <c:order val="0"/>
-          <c:tx>
-            <c:strRef>
-              <c:f>Sheet1!$B$1</c:f>
-              <c:strCache>
-                <c:ptCount val="1"/>
-                <c:pt idx="0">
-                  <c:v>Market Share</c:v>
-                </c:pt>
-              </c:strCache>
-            </c:strRef>
-          </c:tx>
-          <c:cat>
-            <c:strRef>
-              <c:f>Sheet1!$A$2:$A$4</c:f>
-              <c:strCache>
-                <c:ptCount val="3"/>
-                <c:pt idx="0">
-                  <c:v>Product A</c:v>
-                </c:pt>
-                <c:pt idx="1">
-                  <c:v>Product B</c:v>
-                </c:pt>
-                <c:pt idx="2">
-                  <c:v>Product C</c:v>
-                </c:pt>
-              </c:strCache>
-            </c:strRef>
-          </c:cat>
-          <c:val>
-            <c:numRef>
-              <c:f>Sheet1!$B$2:$B$4</c:f>
-              <c:numCache>
-                <c:formatCode>General</c:formatCode>
-                <c:ptCount val="3"/>
-                <c:pt idx="0">
-                  <c:v>50.0</c:v>
-                </c:pt>
-                <c:pt idx="1">
-                  <c:v>30.0</c:v>
-                </c:pt>
-                <c:pt idx="2">
-                  <c:v>20.0</c:v>
-                </c:pt>
-              </c:numCache>
-            </c:numRef>
-          </c:val>
-        </c:ser>
-      </c:pieChart>
-    </c:plotArea>
-    <c:dispBlanksAs val="gap"/>
-  </c:chart>
-  <c:txPr>
-    <a:bodyPr/>
-    <a:lstStyle/>
-    <a:p>
-      <a:pPr>
-        <a:defRPr sz="1800"/>
-      </a:pPr>
-      <a:endParaRPr lang="en-US"/>
-    </a:p>
-  </c:txPr>
-  <c:externalData r:id="rId1">
-    <c:autoUpdate val="0"/>
-  </c:externalData>
-</c:chartSpace>
-</file>
-
-<file path=ppt/charts/chart3.xml><?xml version="1.0" encoding="utf-8"?>
-<c:chartSpace xmlns:c="http://schemas.openxmlformats.org/drawingml/2006/chart" xmlns:a="http://schemas.openxmlformats.org/drawingml/2006/main" xmlns:r="http://schemas.openxmlformats.org/officeDocument/2006/relationships">
-  <c:date1904 val="0"/>
-  <c:chart>
-    <c:autoTitleDeleted val="0"/>
-    <c:plotArea>
       <c:lineChart>
         <c:grouping val="standard"/>
         <c:varyColors val="0"/>
@@ -326,7 +132,7 @@
               <c:strCache>
                 <c:ptCount val="1"/>
                 <c:pt idx="0">
-                  <c:v>Series 1</c:v>
+                  <c:v>Sales</c:v>
                 </c:pt>
               </c:strCache>
             </c:strRef>
@@ -337,16 +143,16 @@
               <c:strCache>
                 <c:ptCount val="4"/>
                 <c:pt idx="0">
-                  <c:v>Jan</c:v>
+                  <c:v>Q1</c:v>
                 </c:pt>
                 <c:pt idx="1">
-                  <c:v>Feb</c:v>
+                  <c:v>Q2</c:v>
                 </c:pt>
                 <c:pt idx="2">
-                  <c:v>Mar</c:v>
+                  <c:v>Q3</c:v>
                 </c:pt>
                 <c:pt idx="3">
-                  <c:v>Apr</c:v>
+                  <c:v>Q4</c:v>
                 </c:pt>
               </c:strCache>
             </c:strRef>
@@ -358,16 +164,16 @@
                 <c:formatCode>General</c:formatCode>
                 <c:ptCount val="4"/>
                 <c:pt idx="0">
-                  <c:v>100.0</c:v>
+                  <c:v>10.0</c:v>
                 </c:pt>
                 <c:pt idx="1">
-                  <c:v>200.0</c:v>
+                  <c:v>20.0</c:v>
                 </c:pt>
                 <c:pt idx="2">
-                  <c:v>300.0</c:v>
+                  <c:v>15.0</c:v>
                 </c:pt>
                 <c:pt idx="3">
-                  <c:v>400.0</c:v>
+                  <c:v>25.0</c:v>
                 </c:pt>
               </c:numCache>
             </c:numRef>
@@ -434,15 +240,15 @@
 </c:chartSpace>
 </file>
 
-<file path=ppt/charts/chart4.xml><?xml version="1.0" encoding="utf-8"?>
+<file path=ppt/charts/chart2.xml><?xml version="1.0" encoding="utf-8"?>
 <c:chartSpace xmlns:c="http://schemas.openxmlformats.org/drawingml/2006/chart" xmlns:a="http://schemas.openxmlformats.org/drawingml/2006/main" xmlns:r="http://schemas.openxmlformats.org/officeDocument/2006/relationships">
   <c:date1904 val="0"/>
   <c:chart>
     <c:autoTitleDeleted val="0"/>
     <c:plotArea>
-      <c:barChart>
-        <c:barDir val="bar"/>
-        <c:grouping val="clustered"/>
+      <c:lineChart>
+        <c:grouping val="standard"/>
+        <c:varyColors val="0"/>
         <c:ser>
           <c:idx val="0"/>
           <c:order val="0"/>
@@ -452,7 +258,7 @@
               <c:strCache>
                 <c:ptCount val="1"/>
                 <c:pt idx="0">
-                  <c:v>Revenue by Region</c:v>
+                  <c:v>Tesla</c:v>
                 </c:pt>
               </c:strCache>
             </c:strRef>
@@ -463,16 +269,16 @@
               <c:strCache>
                 <c:ptCount val="4"/>
                 <c:pt idx="0">
-                  <c:v>North</c:v>
+                  <c:v>Q1</c:v>
                 </c:pt>
                 <c:pt idx="1">
-                  <c:v>South</c:v>
+                  <c:v>Q2</c:v>
                 </c:pt>
                 <c:pt idx="2">
-                  <c:v>East</c:v>
+                  <c:v>Q3</c:v>
                 </c:pt>
                 <c:pt idx="3">
-                  <c:v>West</c:v>
+                  <c:v>Q4</c:v>
                 </c:pt>
               </c:strCache>
             </c:strRef>
@@ -484,35 +290,152 @@
                 <c:formatCode>General</c:formatCode>
                 <c:ptCount val="4"/>
                 <c:pt idx="0">
-                  <c:v>5000.0</c:v>
+                  <c:v>100.0</c:v>
                 </c:pt>
                 <c:pt idx="1">
-                  <c:v>7000.0</c:v>
+                  <c:v>120.0</c:v>
                 </c:pt>
                 <c:pt idx="2">
-                  <c:v>4500.0</c:v>
+                  <c:v>150.0</c:v>
                 </c:pt>
                 <c:pt idx="3">
-                  <c:v>6000.0</c:v>
+                  <c:v>180.0</c:v>
                 </c:pt>
               </c:numCache>
             </c:numRef>
           </c:val>
+          <c:smooth val="0"/>
         </c:ser>
-        <c:axId val="-2068027336"/>
-        <c:axId val="-2113994440"/>
-      </c:barChart>
+        <c:ser>
+          <c:idx val="1"/>
+          <c:order val="1"/>
+          <c:tx>
+            <c:strRef>
+              <c:f>Sheet1!$C$1</c:f>
+              <c:strCache>
+                <c:ptCount val="1"/>
+                <c:pt idx="0">
+                  <c:v>Hyundai</c:v>
+                </c:pt>
+              </c:strCache>
+            </c:strRef>
+          </c:tx>
+          <c:cat>
+            <c:strRef>
+              <c:f>Sheet1!$A$2:$A$5</c:f>
+              <c:strCache>
+                <c:ptCount val="4"/>
+                <c:pt idx="0">
+                  <c:v>Q1</c:v>
+                </c:pt>
+                <c:pt idx="1">
+                  <c:v>Q2</c:v>
+                </c:pt>
+                <c:pt idx="2">
+                  <c:v>Q3</c:v>
+                </c:pt>
+                <c:pt idx="3">
+                  <c:v>Q4</c:v>
+                </c:pt>
+              </c:strCache>
+            </c:strRef>
+          </c:cat>
+          <c:val>
+            <c:numRef>
+              <c:f>Sheet1!$C$2:$C$5</c:f>
+              <c:numCache>
+                <c:formatCode>General</c:formatCode>
+                <c:ptCount val="4"/>
+                <c:pt idx="0">
+                  <c:v>80.0</c:v>
+                </c:pt>
+                <c:pt idx="1">
+                  <c:v>90.0</c:v>
+                </c:pt>
+                <c:pt idx="2">
+                  <c:v>100.0</c:v>
+                </c:pt>
+                <c:pt idx="3">
+                  <c:v>110.0</c:v>
+                </c:pt>
+              </c:numCache>
+            </c:numRef>
+          </c:val>
+          <c:smooth val="0"/>
+        </c:ser>
+        <c:ser>
+          <c:idx val="2"/>
+          <c:order val="2"/>
+          <c:tx>
+            <c:strRef>
+              <c:f>Sheet1!$D$1</c:f>
+              <c:strCache>
+                <c:ptCount val="1"/>
+                <c:pt idx="0">
+                  <c:v>Mahindra</c:v>
+                </c:pt>
+              </c:strCache>
+            </c:strRef>
+          </c:tx>
+          <c:cat>
+            <c:strRef>
+              <c:f>Sheet1!$A$2:$A$5</c:f>
+              <c:strCache>
+                <c:ptCount val="4"/>
+                <c:pt idx="0">
+                  <c:v>Q1</c:v>
+                </c:pt>
+                <c:pt idx="1">
+                  <c:v>Q2</c:v>
+                </c:pt>
+                <c:pt idx="2">
+                  <c:v>Q3</c:v>
+                </c:pt>
+                <c:pt idx="3">
+                  <c:v>Q4</c:v>
+                </c:pt>
+              </c:strCache>
+            </c:strRef>
+          </c:cat>
+          <c:val>
+            <c:numRef>
+              <c:f>Sheet1!$D$2:$D$5</c:f>
+              <c:numCache>
+                <c:formatCode>General</c:formatCode>
+                <c:ptCount val="4"/>
+                <c:pt idx="0">
+                  <c:v>50.0</c:v>
+                </c:pt>
+                <c:pt idx="1">
+                  <c:v>60.0</c:v>
+                </c:pt>
+                <c:pt idx="2">
+                  <c:v>70.0</c:v>
+                </c:pt>
+                <c:pt idx="3">
+                  <c:v>80.0</c:v>
+                </c:pt>
+              </c:numCache>
+            </c:numRef>
+          </c:val>
+          <c:smooth val="0"/>
+        </c:ser>
+        <c:marker val="1"/>
+        <c:smooth val="0"/>
+        <c:axId val="2118791784"/>
+        <c:axId val="2140495176"/>
+      </c:lineChart>
       <c:catAx>
-        <c:axId val="-2068027336"/>
+        <c:axId val="2118791784"/>
         <c:scaling>
           <c:orientation val="minMax"/>
         </c:scaling>
         <c:delete val="0"/>
-        <c:axPos val="l"/>
+        <c:axPos val="b"/>
         <c:majorTickMark val="out"/>
         <c:minorTickMark val="none"/>
         <c:tickLblPos val="nextTo"/>
-        <c:crossAx val="-2113994440"/>
+        <c:crossAx val="2140495176"/>
         <c:crosses val="autoZero"/>
         <c:auto val="1"/>
         <c:lblAlgn val="ctr"/>
@@ -520,19 +443,26 @@
         <c:noMultiLvlLbl val="0"/>
       </c:catAx>
       <c:valAx>
-        <c:axId val="-2113994440"/>
+        <c:axId val="2140495176"/>
         <c:scaling/>
         <c:delete val="0"/>
-        <c:axPos val="b"/>
+        <c:axPos val="l"/>
         <c:majorGridlines/>
         <c:majorTickMark val="out"/>
         <c:minorTickMark val="none"/>
         <c:tickLblPos val="nextTo"/>
-        <c:crossAx val="-2068027336"/>
+        <c:crossAx val="2118791784"/>
         <c:crosses val="autoZero"/>
       </c:valAx>
     </c:plotArea>
+    <c:legend>
+      <c:legendPos val="r"/>
+      <c:layout/>
+      <c:overlay val="0"/>
+    </c:legend>
+    <c:plotVisOnly val="1"/>
     <c:dispBlanksAs val="gap"/>
+    <c:showDLblsOverMax val="0"/>
   </c:chart>
   <c:txPr>
     <a:bodyPr/>
@@ -550,7 +480,7 @@
 </c:chartSpace>
 </file>
 
-<file path=ppt/charts/chart5.xml><?xml version="1.0" encoding="utf-8"?>
+<file path=ppt/charts/chart3.xml><?xml version="1.0" encoding="utf-8"?>
 <c:chartSpace xmlns:c="http://schemas.openxmlformats.org/drawingml/2006/chart" xmlns:a="http://schemas.openxmlformats.org/drawingml/2006/main" xmlns:r="http://schemas.openxmlformats.org/officeDocument/2006/relationships">
   <c:date1904 val="0"/>
   <c:chart>
@@ -568,7 +498,7 @@
               <c:strCache>
                 <c:ptCount val="1"/>
                 <c:pt idx="0">
-                  <c:v>Samsung</c:v>
+                  <c:v>Tesla</c:v>
                 </c:pt>
               </c:strCache>
             </c:strRef>
@@ -606,7 +536,7 @@
                   <c:v>120.0</c:v>
                 </c:pt>
                 <c:pt idx="2">
-                  <c:v>110.0</c:v>
+                  <c:v>150.0</c:v>
                 </c:pt>
                 <c:pt idx="3">
                   <c:v>130.0</c:v>
@@ -624,7 +554,7 @@
               <c:strCache>
                 <c:ptCount val="1"/>
                 <c:pt idx="0">
-                  <c:v>Nokia</c:v>
+                  <c:v>Hyundai</c:v>
                 </c:pt>
               </c:strCache>
             </c:strRef>
@@ -665,7 +595,7 @@
                   <c:v>100.0</c:v>
                 </c:pt>
                 <c:pt idx="3">
-                  <c:v>110.0</c:v>
+                  <c:v>95.0</c:v>
                 </c:pt>
               </c:numCache>
             </c:numRef>
@@ -680,7 +610,7 @@
               <c:strCache>
                 <c:ptCount val="1"/>
                 <c:pt idx="0">
-                  <c:v>LG</c:v>
+                  <c:v>Mahindra</c:v>
                 </c:pt>
               </c:strCache>
             </c:strRef>
@@ -712,16 +642,16 @@
                 <c:formatCode>General</c:formatCode>
                 <c:ptCount val="4"/>
                 <c:pt idx="0">
+                  <c:v>50.0</c:v>
+                </c:pt>
+                <c:pt idx="1">
+                  <c:v>60.0</c:v>
+                </c:pt>
+                <c:pt idx="2">
                   <c:v>70.0</c:v>
                 </c:pt>
-                <c:pt idx="1">
-                  <c:v>80.0</c:v>
-                </c:pt>
-                <c:pt idx="2">
-                  <c:v>90.0</c:v>
-                </c:pt>
                 <c:pt idx="3">
-                  <c:v>100.0</c:v>
+                  <c:v>65.0</c:v>
                 </c:pt>
               </c:numCache>
             </c:numRef>
@@ -788,6 +718,309 @@
       <c:overlay val="0"/>
     </c:legend>
     <c:dispBlanksAs val="gap"/>
+  </c:chart>
+  <c:txPr>
+    <a:bodyPr/>
+    <a:lstStyle/>
+    <a:p>
+      <a:pPr>
+        <a:defRPr sz="1800"/>
+      </a:pPr>
+      <a:endParaRPr lang="en-US"/>
+    </a:p>
+  </c:txPr>
+  <c:externalData r:id="rId1">
+    <c:autoUpdate val="0"/>
+  </c:externalData>
+</c:chartSpace>
+</file>
+
+<file path=ppt/charts/chart4.xml><?xml version="1.0" encoding="utf-8"?>
+<c:chartSpace xmlns:c="http://schemas.openxmlformats.org/drawingml/2006/chart" xmlns:a="http://schemas.openxmlformats.org/drawingml/2006/main" xmlns:r="http://schemas.openxmlformats.org/officeDocument/2006/relationships">
+  <c:date1904 val="0"/>
+  <c:chart>
+    <c:autoTitleDeleted val="0"/>
+    <c:plotArea>
+      <c:barChart>
+        <c:barDir val="col"/>
+        <c:grouping val="clustered"/>
+        <c:ser>
+          <c:idx val="0"/>
+          <c:order val="0"/>
+          <c:tx>
+            <c:strRef>
+              <c:f>Sheet1!$B$1</c:f>
+              <c:strCache>
+                <c:ptCount val="1"/>
+                <c:pt idx="0">
+                  <c:v>Sales</c:v>
+                </c:pt>
+              </c:strCache>
+            </c:strRef>
+          </c:tx>
+          <c:cat>
+            <c:strRef>
+              <c:f>Sheet1!$A$2:$A$5</c:f>
+              <c:strCache>
+                <c:ptCount val="4"/>
+                <c:pt idx="0">
+                  <c:v>Q1</c:v>
+                </c:pt>
+                <c:pt idx="1">
+                  <c:v>Q2</c:v>
+                </c:pt>
+                <c:pt idx="2">
+                  <c:v>Q3</c:v>
+                </c:pt>
+                <c:pt idx="3">
+                  <c:v>Q4</c:v>
+                </c:pt>
+              </c:strCache>
+            </c:strRef>
+          </c:cat>
+          <c:val>
+            <c:numRef>
+              <c:f>Sheet1!$B$2:$B$5</c:f>
+              <c:numCache>
+                <c:formatCode>General</c:formatCode>
+                <c:ptCount val="4"/>
+                <c:pt idx="0">
+                  <c:v>100.0</c:v>
+                </c:pt>
+                <c:pt idx="1">
+                  <c:v>150.0</c:v>
+                </c:pt>
+                <c:pt idx="2">
+                  <c:v>120.0</c:v>
+                </c:pt>
+                <c:pt idx="3">
+                  <c:v>180.0</c:v>
+                </c:pt>
+              </c:numCache>
+            </c:numRef>
+          </c:val>
+        </c:ser>
+        <c:dLbls>
+          <c:txPr>
+            <a:bodyPr/>
+            <a:lstStyle/>
+            <a:p>
+              <a:pPr>
+                <a:defRPr sz="600">
+                  <a:solidFill>
+                    <a:srgbClr val="000000"/>
+                  </a:solidFill>
+                </a:defRPr>
+              </a:pPr>
+            </a:p>
+          </c:txPr>
+          <c:dLblPos val="inEnd"/>
+          <c:showLegendKey val="0"/>
+          <c:showVal val="1"/>
+          <c:showCatName val="0"/>
+          <c:showSerName val="0"/>
+          <c:showPercent val="0"/>
+          <c:showBubbleSize val="0"/>
+          <c:showLeaderLines val="1"/>
+        </c:dLbls>
+        <c:axId val="-2068027336"/>
+        <c:axId val="-2113994440"/>
+      </c:barChart>
+      <c:catAx>
+        <c:axId val="-2068027336"/>
+        <c:scaling>
+          <c:orientation val="minMax"/>
+        </c:scaling>
+        <c:delete val="0"/>
+        <c:axPos val="b"/>
+        <c:majorTickMark val="out"/>
+        <c:minorTickMark val="none"/>
+        <c:tickLblPos val="nextTo"/>
+        <c:crossAx val="-2113994440"/>
+        <c:crosses val="autoZero"/>
+        <c:auto val="1"/>
+        <c:lblAlgn val="ctr"/>
+        <c:lblOffset val="100"/>
+        <c:noMultiLvlLbl val="0"/>
+      </c:catAx>
+      <c:valAx>
+        <c:axId val="-2113994440"/>
+        <c:scaling/>
+        <c:delete val="0"/>
+        <c:axPos val="l"/>
+        <c:majorGridlines/>
+        <c:majorTickMark val="out"/>
+        <c:minorTickMark val="none"/>
+        <c:tickLblPos val="nextTo"/>
+        <c:crossAx val="-2068027336"/>
+        <c:crosses val="autoZero"/>
+      </c:valAx>
+    </c:plotArea>
+    <c:legend>
+      <c:legendPos/>
+      <c:overlay val="0"/>
+    </c:legend>
+    <c:dispBlanksAs val="gap"/>
+  </c:chart>
+  <c:txPr>
+    <a:bodyPr/>
+    <a:lstStyle/>
+    <a:p>
+      <a:pPr>
+        <a:defRPr sz="1800"/>
+      </a:pPr>
+      <a:endParaRPr lang="en-US"/>
+    </a:p>
+  </c:txPr>
+  <c:externalData r:id="rId1">
+    <c:autoUpdate val="0"/>
+  </c:externalData>
+</c:chartSpace>
+</file>
+
+<file path=ppt/charts/chart5.xml><?xml version="1.0" encoding="utf-8"?>
+<c:chartSpace xmlns:c="http://schemas.openxmlformats.org/drawingml/2006/chart" xmlns:a="http://schemas.openxmlformats.org/drawingml/2006/main" xmlns:r="http://schemas.openxmlformats.org/officeDocument/2006/relationships">
+  <c:chart>
+    <c:plotArea>
+      <c:scatterChart>
+        <c:scatterStyle val="lineMarker"/>
+        <c:varyColors val="0"/>
+        <c:ser>
+          <c:idx val="0"/>
+          <c:order val="0"/>
+          <c:tx>
+            <c:strRef>
+              <c:f>Sheet1!$B$1</c:f>
+              <c:strCache>
+                <c:ptCount val="1"/>
+                <c:pt idx="0">
+                  <c:v>Sales vs Profit</c:v>
+                </c:pt>
+              </c:strCache>
+            </c:strRef>
+          </c:tx>
+          <c:spPr>
+            <a:ln w="47625">
+              <a:noFill/>
+            </a:ln>
+          </c:spPr>
+          <c:xVal>
+            <c:numRef>
+              <c:f>Sheet1!$A$2:$A$5</c:f>
+              <c:numCache>
+                <c:formatCode>General</c:formatCode>
+                <c:ptCount val="4"/>
+                <c:pt idx="0">
+                  <c:v>10.0</c:v>
+                </c:pt>
+                <c:pt idx="1">
+                  <c:v>20.0</c:v>
+                </c:pt>
+                <c:pt idx="2">
+                  <c:v>30.0</c:v>
+                </c:pt>
+                <c:pt idx="3">
+                  <c:v>40.0</c:v>
+                </c:pt>
+              </c:numCache>
+            </c:numRef>
+          </c:xVal>
+          <c:yVal>
+            <c:numRef>
+              <c:f>Sheet1!$B$2:$B$5</c:f>
+              <c:numCache>
+                <c:formatCode>General</c:formatCode>
+                <c:ptCount val="4"/>
+                <c:pt idx="0">
+                  <c:v>2.0</c:v>
+                </c:pt>
+                <c:pt idx="1">
+                  <c:v>4.0</c:v>
+                </c:pt>
+                <c:pt idx="2">
+                  <c:v>3.0</c:v>
+                </c:pt>
+                <c:pt idx="3">
+                  <c:v>6.0</c:v>
+                </c:pt>
+              </c:numCache>
+            </c:numRef>
+          </c:yVal>
+          <c:smooth val="0"/>
+        </c:ser>
+        <c:axId val="-2128940872"/>
+        <c:axId val="-2129643912"/>
+      </c:scatterChart>
+      <c:valAx>
+        <c:axId val="-2128940872"/>
+        <c:scaling>
+          <c:orientation val="minMax"/>
+        </c:scaling>
+        <c:delete val="0"/>
+        <c:axPos val="b"/>
+        <c:title>
+          <c:tx>
+            <c:rich>
+              <a:bodyPr/>
+              <a:lstStyle/>
+              <a:p>
+                <a:r>
+                  <a:t>Sales</a:t>
+                </a:r>
+              </a:p>
+            </c:rich>
+          </c:tx>
+          <c:layout/>
+          <c:overlay val="0"/>
+        </c:title>
+        <c:numFmt formatCode="General" sourceLinked="1"/>
+        <c:majorTickMark val="out"/>
+        <c:minorTickMark val="none"/>
+        <c:tickLblPos val="nextTo"/>
+        <c:crossAx val="-2129643912"/>
+        <c:crosses val="autoZero"/>
+        <c:crossBetween val="midCat"/>
+      </c:valAx>
+      <c:valAx>
+        <c:axId val="-2129643912"/>
+        <c:scaling>
+          <c:orientation val="minMax"/>
+        </c:scaling>
+        <c:delete val="0"/>
+        <c:axPos val="l"/>
+        <c:majorGridlines/>
+        <c:title>
+          <c:tx>
+            <c:rich>
+              <a:bodyPr/>
+              <a:lstStyle/>
+              <a:p>
+                <a:r>
+                  <a:t>Profit</a:t>
+                </a:r>
+              </a:p>
+            </c:rich>
+          </c:tx>
+          <c:layout/>
+          <c:overlay val="0"/>
+        </c:title>
+        <c:numFmt formatCode="General" sourceLinked="1"/>
+        <c:majorTickMark val="out"/>
+        <c:minorTickMark val="none"/>
+        <c:tickLblPos val="nextTo"/>
+        <c:crossAx val="-2128940872"/>
+        <c:crosses val="autoZero"/>
+        <c:crossBetween val="midCat"/>
+      </c:valAx>
+    </c:plotArea>
+    <c:legend>
+      <c:legendPos val="r"/>
+      <c:layout/>
+      <c:overlay val="0"/>
+    </c:legend>
+    <c:plotVisOnly val="1"/>
+    <c:dispBlanksAs val="gap"/>
+    <c:showDLblsOverMax val="0"/>
   </c:chart>
   <c:txPr>
     <a:bodyPr/>
@@ -3801,153 +4034,39 @@
           <a:bodyPr/>
           <a:lstStyle/>
           <a:p>
-            <a:r>
-              <a:t>Competitor Analysis</a:t>
-            </a:r>
-          </a:p>
-        </p:txBody>
-      </p:sp>
-      <p:graphicFrame>
-        <p:nvGraphicFramePr>
-          <p:cNvPr id="3" name="Table 2"/>
-          <p:cNvGraphicFramePr>
-            <a:graphicFrameLocks noGrp="1"/>
-          </p:cNvGraphicFramePr>
+            <a:pPr>
+              <a:defRPr sz="4000" b="1"/>
+            </a:pPr>
+            <a:r>
+              <a:t>Waterfall Chart Example</a:t>
+            </a:r>
+          </a:p>
+        </p:txBody>
+      </p:sp>
+      <p:pic>
+        <p:nvPicPr>
+          <p:cNvPr id="3" name="Picture 2" descr="waterfall_chart.png"/>
+          <p:cNvPicPr>
+            <a:picLocks noChangeAspect="1"/>
+          </p:cNvPicPr>
           <p:nvPr/>
-        </p:nvGraphicFramePr>
-        <p:xfrm>
-          <a:off x="1828800" y="1828800"/>
-          <a:ext cx="5486400" cy="3657600"/>
-        </p:xfrm>
-        <a:graphic>
-          <a:graphicData uri="http://schemas.openxmlformats.org/drawingml/2006/table">
-            <a:tbl>
-              <a:tblPr firstRow="1" bandRow="1">
-                <a:tableStyleId>{5C22544A-7EE6-4342-B048-85BDC9FD1C3A}</a:tableStyleId>
-              </a:tblPr>
-              <a:tblGrid>
-                <a:gridCol w="1828800"/>
-                <a:gridCol w="1828800"/>
-                <a:gridCol w="1828800"/>
-              </a:tblGrid>
-              <a:tr h="1219200">
-                <a:tc>
-                  <a:txBody>
-                    <a:bodyPr/>
-                    <a:lstStyle/>
-                    <a:p>
-                      <a:r>
-                        <a:t>Brand</a:t>
-                      </a:r>
-                    </a:p>
-                  </a:txBody>
-                  <a:tcPr/>
-                </a:tc>
-                <a:tc>
-                  <a:txBody>
-                    <a:bodyPr/>
-                    <a:lstStyle/>
-                    <a:p>
-                      <a:r>
-                        <a:t> Price</a:t>
-                      </a:r>
-                    </a:p>
-                  </a:txBody>
-                  <a:tcPr/>
-                </a:tc>
-                <a:tc>
-                  <a:txBody>
-                    <a:bodyPr/>
-                    <a:lstStyle/>
-                    <a:p>
-                      <a:r>
-                        <a:t> Features</a:t>
-                      </a:r>
-                    </a:p>
-                  </a:txBody>
-                  <a:tcPr/>
-                </a:tc>
-              </a:tr>
-              <a:tr h="1219200">
-                <a:tc>
-                  <a:txBody>
-                    <a:bodyPr/>
-                    <a:lstStyle/>
-                    <a:p>
-                      <a:r>
-                        <a:t> Brand A</a:t>
-                      </a:r>
-                    </a:p>
-                  </a:txBody>
-                  <a:tcPr/>
-                </a:tc>
-                <a:tc>
-                  <a:txBody>
-                    <a:bodyPr/>
-                    <a:lstStyle/>
-                    <a:p>
-                      <a:r>
-                        <a:t> $500</a:t>
-                      </a:r>
-                    </a:p>
-                  </a:txBody>
-                  <a:tcPr/>
-                </a:tc>
-                <a:tc>
-                  <a:txBody>
-                    <a:bodyPr/>
-                    <a:lstStyle/>
-                    <a:p>
-                      <a:r>
-                        <a:t> Basic</a:t>
-                      </a:r>
-                    </a:p>
-                  </a:txBody>
-                  <a:tcPr/>
-                </a:tc>
-              </a:tr>
-              <a:tr h="1219200">
-                <a:tc>
-                  <a:txBody>
-                    <a:bodyPr/>
-                    <a:lstStyle/>
-                    <a:p>
-                      <a:r>
-                        <a:t> Brand B</a:t>
-                      </a:r>
-                    </a:p>
-                  </a:txBody>
-                  <a:tcPr/>
-                </a:tc>
-                <a:tc>
-                  <a:txBody>
-                    <a:bodyPr/>
-                    <a:lstStyle/>
-                    <a:p>
-                      <a:r>
-                        <a:t> $700</a:t>
-                      </a:r>
-                    </a:p>
-                  </a:txBody>
-                  <a:tcPr/>
-                </a:tc>
-                <a:tc>
-                  <a:txBody>
-                    <a:bodyPr/>
-                    <a:lstStyle/>
-                    <a:p>
-                      <a:r>
-                        <a:t> Premium</a:t>
-                      </a:r>
-                    </a:p>
-                  </a:txBody>
-                  <a:tcPr/>
-                </a:tc>
-              </a:tr>
-            </a:tbl>
-          </a:graphicData>
-        </a:graphic>
-      </p:graphicFrame>
+        </p:nvPicPr>
+        <p:blipFill>
+          <a:blip r:embed="rId2"/>
+          <a:stretch>
+            <a:fillRect/>
+          </a:stretch>
+        </p:blipFill>
+        <p:spPr>
+          <a:xfrm>
+            <a:off x="457200" y="1371600"/>
+            <a:ext cx="10972800" cy="5029200"/>
+          </a:xfrm>
+          <a:prstGeom prst="rect">
+            <a:avLst/>
+          </a:prstGeom>
+        </p:spPr>
+      </p:pic>
     </p:spTree>
   </p:cSld>
   <p:clrMapOvr>
@@ -3981,8 +4100,11 @@
           <a:bodyPr/>
           <a:lstStyle/>
           <a:p>
-            <a:r>
-              <a:t>Product Sales</a:t>
+            <a:pPr>
+              <a:defRPr sz="4000" b="1"/>
+            </a:pPr>
+            <a:r>
+              <a:t>Quarterly Sales</a:t>
             </a:r>
           </a:p>
         </p:txBody>
@@ -3996,7 +4118,7 @@
           <p:nvPr/>
         </p:nvGraphicFramePr>
         <p:xfrm>
-          <a:off x="1828800" y="1828800"/>
+          <a:off x="3200400" y="1828800"/>
           <a:ext cx="5486400" cy="4114800"/>
         </p:xfrm>
         <a:graphic>
@@ -4038,47 +4160,33 @@
           <a:bodyPr/>
           <a:lstStyle/>
           <a:p>
-            <a:r>
-              <a:t>Key Insights</a:t>
-            </a:r>
-          </a:p>
-        </p:txBody>
-      </p:sp>
-      <p:sp>
-        <p:nvSpPr>
-          <p:cNvPr id="3" name="Content Placeholder 2"/>
-          <p:cNvSpPr>
-            <a:spLocks noGrp="1"/>
-          </p:cNvSpPr>
-          <p:nvPr>
-            <p:ph idx="1"/>
-          </p:nvPr>
-        </p:nvSpPr>
-        <p:spPr/>
-        <p:txBody>
-          <a:bodyPr/>
-          <a:lstStyle/>
-          <a:p/>
-          <a:p>
-            <a:pPr/>
-            <a:r>
-              <a:t>Sales doubled in Q2</a:t>
-            </a:r>
-          </a:p>
-          <a:p>
-            <a:pPr/>
-            <a:r>
-              <a:t>Product C outperformed others</a:t>
-            </a:r>
-          </a:p>
-          <a:p>
-            <a:pPr/>
-            <a:r>
-              <a:t>Increase marketing for Product D</a:t>
-            </a:r>
-          </a:p>
-        </p:txBody>
-      </p:sp>
+            <a:pPr>
+              <a:defRPr sz="4000" b="1"/>
+            </a:pPr>
+            <a:r>
+              <a:t>Q1-Q4 Sales Comparison</a:t>
+            </a:r>
+          </a:p>
+        </p:txBody>
+      </p:sp>
+      <p:graphicFrame>
+        <p:nvGraphicFramePr>
+          <p:cNvPr id="3" name="Chart 2"/>
+          <p:cNvGraphicFramePr>
+            <a:graphicFrameLocks noGrp="1"/>
+          </p:cNvGraphicFramePr>
+          <p:nvPr/>
+        </p:nvGraphicFramePr>
+        <p:xfrm>
+          <a:off x="3200400" y="1828800"/>
+          <a:ext cx="5486400" cy="4114800"/>
+        </p:xfrm>
+        <a:graphic>
+          <a:graphicData uri="http://schemas.openxmlformats.org/drawingml/2006/chart">
+            <c:chart xmlns:c="http://schemas.openxmlformats.org/drawingml/2006/chart" r:id="rId2"/>
+          </a:graphicData>
+        </a:graphic>
+      </p:graphicFrame>
     </p:spTree>
   </p:cSld>
   <p:clrMapOvr>
@@ -4112,8 +4220,11 @@
           <a:bodyPr/>
           <a:lstStyle/>
           <a:p>
-            <a:r>
-              <a:t>Market Share</a:t>
+            <a:pPr>
+              <a:defRPr sz="2400" b="1"/>
+            </a:pPr>
+            <a:r>
+              <a:t>Q1-Q4 Sales Comparison</a:t>
             </a:r>
           </a:p>
         </p:txBody>
@@ -4169,8 +4280,11 @@
           <a:bodyPr/>
           <a:lstStyle/>
           <a:p>
-            <a:r>
-              <a:t>Monthly Growth</a:t>
+            <a:pPr>
+              <a:defRPr sz="2400" b="1"/>
+            </a:pPr>
+            <a:r>
+              <a:t>Quarterly Sales</a:t>
             </a:r>
           </a:p>
         </p:txBody>
@@ -4226,30 +4340,39 @@
           <a:bodyPr/>
           <a:lstStyle/>
           <a:p>
-            <a:r>
-              <a:t>Revenue by Region</a:t>
-            </a:r>
-          </a:p>
-        </p:txBody>
-      </p:sp>
-      <p:graphicFrame>
-        <p:nvGraphicFramePr>
-          <p:cNvPr id="3" name="Chart 2"/>
-          <p:cNvGraphicFramePr>
-            <a:graphicFrameLocks noGrp="1"/>
-          </p:cNvGraphicFramePr>
+            <a:pPr>
+              <a:defRPr sz="4000" b="1"/>
+            </a:pPr>
+            <a:r>
+              <a:t>Margin Waterfall</a:t>
+            </a:r>
+          </a:p>
+        </p:txBody>
+      </p:sp>
+      <p:pic>
+        <p:nvPicPr>
+          <p:cNvPr id="3" name="Picture 2" descr="waterfall_chart.png"/>
+          <p:cNvPicPr>
+            <a:picLocks noChangeAspect="1"/>
+          </p:cNvPicPr>
           <p:nvPr/>
-        </p:nvGraphicFramePr>
-        <p:xfrm>
-          <a:off x="1828800" y="1828800"/>
-          <a:ext cx="5486400" cy="4114800"/>
-        </p:xfrm>
-        <a:graphic>
-          <a:graphicData uri="http://schemas.openxmlformats.org/drawingml/2006/chart">
-            <c:chart xmlns:c="http://schemas.openxmlformats.org/drawingml/2006/chart" r:id="rId2"/>
-          </a:graphicData>
-        </a:graphic>
-      </p:graphicFrame>
+        </p:nvPicPr>
+        <p:blipFill>
+          <a:blip r:embed="rId2"/>
+          <a:stretch>
+            <a:fillRect/>
+          </a:stretch>
+        </p:blipFill>
+        <p:spPr>
+          <a:xfrm>
+            <a:off x="457200" y="1371600"/>
+            <a:ext cx="10972800" cy="5029200"/>
+          </a:xfrm>
+          <a:prstGeom prst="rect">
+            <a:avLst/>
+          </a:prstGeom>
+        </p:spPr>
+      </p:pic>
     </p:spTree>
   </p:cSld>
   <p:clrMapOvr>
@@ -4283,47 +4406,33 @@
           <a:bodyPr/>
           <a:lstStyle/>
           <a:p>
-            <a:r>
-              <a:t>Challenges</a:t>
-            </a:r>
-          </a:p>
-        </p:txBody>
-      </p:sp>
-      <p:sp>
-        <p:nvSpPr>
-          <p:cNvPr id="3" name="Content Placeholder 2"/>
-          <p:cNvSpPr>
-            <a:spLocks noGrp="1"/>
-          </p:cNvSpPr>
-          <p:nvPr>
-            <p:ph idx="1"/>
-          </p:nvPr>
-        </p:nvSpPr>
-        <p:spPr/>
-        <p:txBody>
-          <a:bodyPr/>
-          <a:lstStyle/>
-          <a:p/>
-          <a:p>
-            <a:pPr/>
-            <a:r>
-              <a:t>Supply Chain Disruptions</a:t>
-            </a:r>
-          </a:p>
-          <a:p>
-            <a:pPr/>
-            <a:r>
-              <a:t>Rising Costs</a:t>
-            </a:r>
-          </a:p>
-          <a:p>
-            <a:pPr/>
-            <a:r>
-              <a:t>Market Competition</a:t>
-            </a:r>
-          </a:p>
-        </p:txBody>
-      </p:sp>
+            <a:pPr algn="l">
+              <a:defRPr sz="4000" b="1"/>
+            </a:pPr>
+            <a:r>
+              <a:t>Sales and Profit Correlation</a:t>
+            </a:r>
+          </a:p>
+        </p:txBody>
+      </p:sp>
+      <p:graphicFrame>
+        <p:nvGraphicFramePr>
+          <p:cNvPr id="3" name="Chart 2"/>
+          <p:cNvGraphicFramePr>
+            <a:graphicFrameLocks noGrp="1"/>
+          </p:cNvGraphicFramePr>
+          <p:nvPr/>
+        </p:nvGraphicFramePr>
+        <p:xfrm>
+          <a:off x="3657600" y="2286000"/>
+          <a:ext cx="5486400" cy="4114800"/>
+        </p:xfrm>
+        <a:graphic>
+          <a:graphicData uri="http://schemas.openxmlformats.org/drawingml/2006/chart">
+            <c:chart xmlns:c="http://schemas.openxmlformats.org/drawingml/2006/chart" r:id="rId2"/>
+          </a:graphicData>
+        </a:graphic>
+      </p:graphicFrame>
     </p:spTree>
   </p:cSld>
   <p:clrMapOvr>
@@ -4357,136 +4466,39 @@
           <a:bodyPr/>
           <a:lstStyle/>
           <a:p>
-            <a:r>
-              <a:t>Opportunities vs Threats</a:t>
-            </a:r>
-          </a:p>
-        </p:txBody>
-      </p:sp>
-      <p:sp>
-        <p:nvSpPr>
-          <p:cNvPr id="3" name="Content Placeholder 2"/>
-          <p:cNvSpPr>
-            <a:spLocks noGrp="1"/>
-          </p:cNvSpPr>
-          <p:nvPr>
-            <p:ph idx="1" sz="half"/>
-          </p:nvPr>
-        </p:nvSpPr>
-        <p:spPr/>
-        <p:txBody>
-          <a:bodyPr/>
-          <a:lstStyle/>
-          <a:p/>
-          <a:p>
-            <a:pPr/>
-            <a:r>
-              <a:t>Market Expansion</a:t>
-            </a:r>
-          </a:p>
-          <a:p>
-            <a:pPr/>
-            <a:r>
-              <a:t>New Product Lines</a:t>
-            </a:r>
-          </a:p>
-          <a:p>
-            <a:pPr/>
-            <a:r>
-              <a:t>Strategic Partnerships</a:t>
-            </a:r>
-          </a:p>
-        </p:txBody>
-      </p:sp>
-      <p:sp>
-        <p:nvSpPr>
-          <p:cNvPr id="4" name="Content Placeholder 3"/>
-          <p:cNvSpPr>
-            <a:spLocks noGrp="1"/>
-          </p:cNvSpPr>
-          <p:nvPr>
-            <p:ph idx="2" sz="half"/>
-          </p:nvPr>
-        </p:nvSpPr>
-        <p:spPr/>
-        <p:txBody>
-          <a:bodyPr/>
-          <a:lstStyle/>
-          <a:p/>
-          <a:p>
-            <a:pPr/>
-            <a:r>
-              <a:t>Economic Slowdown</a:t>
-            </a:r>
-          </a:p>
-          <a:p>
-            <a:pPr/>
-            <a:r>
-              <a:t>Regulatory Changes</a:t>
-            </a:r>
-          </a:p>
-        </p:txBody>
-      </p:sp>
-    </p:spTree>
-  </p:cSld>
-  <p:clrMapOvr>
-    <a:masterClrMapping/>
-  </p:clrMapOvr>
-</p:sld>
-</file>
-
-<file path=ppt/slides/slide9.xml><?xml version="1.0" encoding="utf-8"?>
-<p:sld xmlns:a="http://schemas.openxmlformats.org/drawingml/2006/main" xmlns:p="http://schemas.openxmlformats.org/presentationml/2006/main" xmlns:r="http://schemas.openxmlformats.org/officeDocument/2006/relationships">
-  <p:cSld>
-    <p:spTree>
-      <p:nvGrpSpPr>
-        <p:cNvPr id="1" name=""/>
-        <p:cNvGrpSpPr/>
-        <p:nvPr/>
-      </p:nvGrpSpPr>
-      <p:grpSpPr/>
-      <p:sp>
-        <p:nvSpPr>
-          <p:cNvPr id="2" name="Title 1"/>
-          <p:cNvSpPr>
-            <a:spLocks noGrp="1"/>
-          </p:cNvSpPr>
-          <p:nvPr>
-            <p:ph type="title"/>
-          </p:nvPr>
-        </p:nvSpPr>
-        <p:spPr/>
-        <p:txBody>
-          <a:bodyPr/>
-          <a:lstStyle/>
-          <a:p>
             <a:pPr>
-              <a:defRPr sz="2400" b="1"/>
+              <a:defRPr sz="4000" b="1"/>
             </a:pPr>
             <a:r>
-              <a:t>Q1-Q4 Sales Comparison of Samsung, Nokia, and LG</a:t>
-            </a:r>
-          </a:p>
-        </p:txBody>
-      </p:sp>
-      <p:graphicFrame>
-        <p:nvGraphicFramePr>
-          <p:cNvPr id="3" name="Chart 2"/>
-          <p:cNvGraphicFramePr>
-            <a:graphicFrameLocks noGrp="1"/>
-          </p:cNvGraphicFramePr>
+              <a:t>Waterfall Chart</a:t>
+            </a:r>
+          </a:p>
+        </p:txBody>
+      </p:sp>
+      <p:pic>
+        <p:nvPicPr>
+          <p:cNvPr id="3" name="Picture 2" descr="waterfall_chart.png"/>
+          <p:cNvPicPr>
+            <a:picLocks noChangeAspect="1"/>
+          </p:cNvPicPr>
           <p:nvPr/>
-        </p:nvGraphicFramePr>
-        <p:xfrm>
-          <a:off x="1828800" y="1828800"/>
-          <a:ext cx="5486400" cy="4114800"/>
-        </p:xfrm>
-        <a:graphic>
-          <a:graphicData uri="http://schemas.openxmlformats.org/drawingml/2006/chart">
-            <c:chart xmlns:c="http://schemas.openxmlformats.org/drawingml/2006/chart" r:id="rId2"/>
-          </a:graphicData>
-        </a:graphic>
-      </p:graphicFrame>
+        </p:nvPicPr>
+        <p:blipFill>
+          <a:blip r:embed="rId2"/>
+          <a:stretch>
+            <a:fillRect/>
+          </a:stretch>
+        </p:blipFill>
+        <p:spPr>
+          <a:xfrm>
+            <a:off x="457200" y="1371600"/>
+            <a:ext cx="10972800" cy="5029200"/>
+          </a:xfrm>
+          <a:prstGeom prst="rect">
+            <a:avLst/>
+          </a:prstGeom>
+        </p:spPr>
+      </p:pic>
     </p:spTree>
   </p:cSld>
   <p:clrMapOvr>
